--- a/random/presentation/presentation_final_rev2.pptx
+++ b/random/presentation/presentation_final_rev2.pptx
@@ -5,7 +5,7 @@
     <p:sldMasterId id="2147483648" r:id="rId1"/>
   </p:sldMasterIdLst>
   <p:notesMasterIdLst>
-    <p:notesMasterId r:id="rId38"/>
+    <p:notesMasterId r:id="rId40"/>
   </p:notesMasterIdLst>
   <p:sldIdLst>
     <p:sldId id="256" r:id="rId2"/>
@@ -44,6 +44,8 @@
     <p:sldId id="291" r:id="rId35"/>
     <p:sldId id="295" r:id="rId36"/>
     <p:sldId id="296" r:id="rId37"/>
+    <p:sldId id="297" r:id="rId38"/>
+    <p:sldId id="298" r:id="rId39"/>
   </p:sldIdLst>
   <p:sldSz cx="12192000" cy="6858000"/>
   <p:notesSz cx="6858000" cy="9144000"/>
@@ -152,7 +154,7 @@
 
 <file path=ppt/commentAuthors.xml><?xml version="1.0" encoding="utf-8"?>
 <p:cmAuthorLst xmlns:a="http://schemas.openxmlformats.org/drawingml/2006/main" xmlns:r="http://schemas.openxmlformats.org/officeDocument/2006/relationships" xmlns:p="http://schemas.openxmlformats.org/presentationml/2006/main">
-  <p:cmAuthor id="1" name="イマム カイリ　ルビス_釧路学生" initials="イカ" lastIdx="1" clrIdx="0">
+  <p:cmAuthor id="1" name="イマム カイリ　ルビス_釧路学生" initials="イカ" lastIdx="2" clrIdx="0">
     <p:extLst>
       <p:ext uri="{19B8F6BF-5375-455C-9EA6-DF929625EA0E}">
         <p15:presenceInfo xmlns:p15="http://schemas.microsoft.com/office/powerpoint/2012/main" userId="S-1-5-21-248912260-2783698231-4196157107-1001" providerId="AD"/>
@@ -196,7 +198,7 @@
         </p:nvSpPr>
         <p:spPr>
           <a:xfrm>
-            <a:off x="0" y="0"/>
+            <a:off x="0" y="1"/>
             <a:ext cx="2971800" cy="458788"/>
           </a:xfrm>
           <a:prstGeom prst="rect">
@@ -227,7 +229,7 @@
         </p:nvSpPr>
         <p:spPr>
           <a:xfrm>
-            <a:off x="3884613" y="0"/>
+            <a:off x="3884613" y="1"/>
             <a:ext cx="2971800" cy="458788"/>
           </a:xfrm>
           <a:prstGeom prst="rect">
@@ -244,7 +246,7 @@
           <a:p>
             <a:fld id="{49847FAD-14EC-4E34-930B-FD5B937DA759}" type="datetimeFigureOut">
               <a:rPr lang="en-US" smtClean="0"/>
-              <a:t>7/2/2023</a:t>
+              <a:t>7/3/2023</a:t>
             </a:fld>
             <a:endParaRPr lang="en-US"/>
           </a:p>
@@ -295,8 +297,8 @@
         </p:nvSpPr>
         <p:spPr>
           <a:xfrm>
-            <a:off x="685800" y="4400550"/>
-            <a:ext cx="5486400" cy="3600450"/>
+            <a:off x="685800" y="4400549"/>
+            <a:ext cx="5486400" cy="3600451"/>
           </a:xfrm>
           <a:prstGeom prst="rect">
             <a:avLst/>
@@ -2022,7 +2024,7 @@
           <a:p>
             <a:fld id="{A035A8A6-D9FF-414C-A54C-3859E0689ADC}" type="datetimeFigureOut">
               <a:rPr lang="en-US" smtClean="0"/>
-              <a:t>7/2/2023</a:t>
+              <a:t>7/3/2023</a:t>
             </a:fld>
             <a:endParaRPr lang="en-US"/>
           </a:p>
@@ -2220,7 +2222,7 @@
           <a:p>
             <a:fld id="{A035A8A6-D9FF-414C-A54C-3859E0689ADC}" type="datetimeFigureOut">
               <a:rPr lang="en-US" smtClean="0"/>
-              <a:t>7/2/2023</a:t>
+              <a:t>7/3/2023</a:t>
             </a:fld>
             <a:endParaRPr lang="en-US"/>
           </a:p>
@@ -2428,7 +2430,7 @@
           <a:p>
             <a:fld id="{A035A8A6-D9FF-414C-A54C-3859E0689ADC}" type="datetimeFigureOut">
               <a:rPr lang="en-US" smtClean="0"/>
-              <a:t>7/2/2023</a:t>
+              <a:t>7/3/2023</a:t>
             </a:fld>
             <a:endParaRPr lang="en-US"/>
           </a:p>
@@ -2626,7 +2628,7 @@
           <a:p>
             <a:fld id="{A035A8A6-D9FF-414C-A54C-3859E0689ADC}" type="datetimeFigureOut">
               <a:rPr lang="en-US" smtClean="0"/>
-              <a:t>7/2/2023</a:t>
+              <a:t>7/3/2023</a:t>
             </a:fld>
             <a:endParaRPr lang="en-US"/>
           </a:p>
@@ -2901,7 +2903,7 @@
           <a:p>
             <a:fld id="{A035A8A6-D9FF-414C-A54C-3859E0689ADC}" type="datetimeFigureOut">
               <a:rPr lang="en-US" smtClean="0"/>
-              <a:t>7/2/2023</a:t>
+              <a:t>7/3/2023</a:t>
             </a:fld>
             <a:endParaRPr lang="en-US"/>
           </a:p>
@@ -3166,7 +3168,7 @@
           <a:p>
             <a:fld id="{A035A8A6-D9FF-414C-A54C-3859E0689ADC}" type="datetimeFigureOut">
               <a:rPr lang="en-US" smtClean="0"/>
-              <a:t>7/2/2023</a:t>
+              <a:t>7/3/2023</a:t>
             </a:fld>
             <a:endParaRPr lang="en-US"/>
           </a:p>
@@ -3578,7 +3580,7 @@
           <a:p>
             <a:fld id="{A035A8A6-D9FF-414C-A54C-3859E0689ADC}" type="datetimeFigureOut">
               <a:rPr lang="en-US" smtClean="0"/>
-              <a:t>7/2/2023</a:t>
+              <a:t>7/3/2023</a:t>
             </a:fld>
             <a:endParaRPr lang="en-US"/>
           </a:p>
@@ -3719,7 +3721,7 @@
           <a:p>
             <a:fld id="{A035A8A6-D9FF-414C-A54C-3859E0689ADC}" type="datetimeFigureOut">
               <a:rPr lang="en-US" smtClean="0"/>
-              <a:t>7/2/2023</a:t>
+              <a:t>7/3/2023</a:t>
             </a:fld>
             <a:endParaRPr lang="en-US"/>
           </a:p>
@@ -3832,7 +3834,7 @@
           <a:p>
             <a:fld id="{A035A8A6-D9FF-414C-A54C-3859E0689ADC}" type="datetimeFigureOut">
               <a:rPr lang="en-US" smtClean="0"/>
-              <a:t>7/2/2023</a:t>
+              <a:t>7/3/2023</a:t>
             </a:fld>
             <a:endParaRPr lang="en-US"/>
           </a:p>
@@ -4143,7 +4145,7 @@
           <a:p>
             <a:fld id="{A035A8A6-D9FF-414C-A54C-3859E0689ADC}" type="datetimeFigureOut">
               <a:rPr lang="en-US" smtClean="0"/>
-              <a:t>7/2/2023</a:t>
+              <a:t>7/3/2023</a:t>
             </a:fld>
             <a:endParaRPr lang="en-US"/>
           </a:p>
@@ -4431,7 +4433,7 @@
           <a:p>
             <a:fld id="{A035A8A6-D9FF-414C-A54C-3859E0689ADC}" type="datetimeFigureOut">
               <a:rPr lang="en-US" smtClean="0"/>
-              <a:t>7/2/2023</a:t>
+              <a:t>7/3/2023</a:t>
             </a:fld>
             <a:endParaRPr lang="en-US"/>
           </a:p>
@@ -4672,7 +4674,7 @@
           <a:p>
             <a:fld id="{A035A8A6-D9FF-414C-A54C-3859E0689ADC}" type="datetimeFigureOut">
               <a:rPr lang="en-US" smtClean="0"/>
-              <a:t>7/2/2023</a:t>
+              <a:t>7/3/2023</a:t>
             </a:fld>
             <a:endParaRPr lang="en-US"/>
           </a:p>
@@ -11929,8 +11931,8 @@
           </p:sp>
         </mc:Fallback>
       </mc:AlternateContent>
-      <mc:AlternateContent xmlns:mc="http://schemas.openxmlformats.org/markup-compatibility/2006">
-        <mc:Choice xmlns:a14="http://schemas.microsoft.com/office/drawing/2010/main" Requires="a14">
+      <mc:AlternateContent xmlns:mc="http://schemas.openxmlformats.org/markup-compatibility/2006" xmlns:a14="http://schemas.microsoft.com/office/drawing/2010/main">
+        <mc:Choice Requires="a14">
           <p:sp>
             <p:nvSpPr>
               <p:cNvPr id="11" name="TextBox 10">
@@ -12032,7 +12034,7 @@
             </p:txBody>
           </p:sp>
         </mc:Choice>
-        <mc:Fallback>
+        <mc:Fallback xmlns="">
           <p:sp>
             <p:nvSpPr>
               <p:cNvPr id="11" name="TextBox 10">
@@ -12525,8 +12527,8 @@
           </a:p>
         </p:txBody>
       </p:sp>
-      <mc:AlternateContent xmlns:mc="http://schemas.openxmlformats.org/markup-compatibility/2006">
-        <mc:Choice xmlns:a14="http://schemas.microsoft.com/office/drawing/2010/main" Requires="a14">
+      <mc:AlternateContent xmlns:mc="http://schemas.openxmlformats.org/markup-compatibility/2006" xmlns:a14="http://schemas.microsoft.com/office/drawing/2010/main">
+        <mc:Choice Requires="a14">
           <p:sp>
             <p:nvSpPr>
               <p:cNvPr id="12" name="TextBox 11">
@@ -12624,7 +12626,7 @@
             </p:txBody>
           </p:sp>
         </mc:Choice>
-        <mc:Fallback>
+        <mc:Fallback xmlns="">
           <p:sp>
             <p:nvSpPr>
               <p:cNvPr id="12" name="TextBox 11">
@@ -12669,8 +12671,8 @@
           </p:sp>
         </mc:Fallback>
       </mc:AlternateContent>
-      <mc:AlternateContent xmlns:mc="http://schemas.openxmlformats.org/markup-compatibility/2006">
-        <mc:Choice xmlns:a14="http://schemas.microsoft.com/office/drawing/2010/main" Requires="a14">
+      <mc:AlternateContent xmlns:mc="http://schemas.openxmlformats.org/markup-compatibility/2006" xmlns:a14="http://schemas.microsoft.com/office/drawing/2010/main">
+        <mc:Choice Requires="a14">
           <p:sp>
             <p:nvSpPr>
               <p:cNvPr id="13" name="TextBox 12">
@@ -12772,7 +12774,7 @@
             </p:txBody>
           </p:sp>
         </mc:Choice>
-        <mc:Fallback>
+        <mc:Fallback xmlns="">
           <p:sp>
             <p:nvSpPr>
               <p:cNvPr id="13" name="TextBox 12">
@@ -13262,8 +13264,8 @@
           </a:p>
         </p:txBody>
       </p:sp>
-      <mc:AlternateContent xmlns:mc="http://schemas.openxmlformats.org/markup-compatibility/2006">
-        <mc:Choice xmlns:a14="http://schemas.microsoft.com/office/drawing/2010/main" Requires="a14">
+      <mc:AlternateContent xmlns:mc="http://schemas.openxmlformats.org/markup-compatibility/2006" xmlns:a14="http://schemas.microsoft.com/office/drawing/2010/main">
+        <mc:Choice Requires="a14">
           <p:sp>
             <p:nvSpPr>
               <p:cNvPr id="79" name="TextBox 78">
@@ -13382,7 +13384,7 @@
             </p:txBody>
           </p:sp>
         </mc:Choice>
-        <mc:Fallback>
+        <mc:Fallback xmlns="">
           <p:sp>
             <p:nvSpPr>
               <p:cNvPr id="79" name="TextBox 78">
@@ -16737,8 +16739,8 @@
         </p:nvSpPr>
         <p:spPr>
           <a:xfrm>
-            <a:off x="2619375" y="1213660"/>
-            <a:ext cx="9278711" cy="3869329"/>
+            <a:off x="2415823" y="1213660"/>
+            <a:ext cx="9482264" cy="3869329"/>
           </a:xfrm>
           <a:prstGeom prst="rect">
             <a:avLst/>
@@ -16766,33 +16768,7 @@
                 <a:latin typeface="MS Gothic" panose="020B0609070205080204" pitchFamily="49" charset="-128"/>
                 <a:ea typeface="MS Gothic" panose="020B0609070205080204" pitchFamily="49" charset="-128"/>
               </a:rPr>
-              <a:t>実行環境　　　　　　　　</a:t>
-            </a:r>
-            <a:endParaRPr lang="en-US" altLang="ja-JP" sz="2800" dirty="0">
-              <a:solidFill>
-                <a:srgbClr val="343F56"/>
-              </a:solidFill>
-              <a:latin typeface="MS Gothic" panose="020B0609070205080204" pitchFamily="49" charset="-128"/>
-              <a:ea typeface="MS Gothic" panose="020B0609070205080204" pitchFamily="49" charset="-128"/>
-            </a:endParaRPr>
-          </a:p>
-          <a:p>
-            <a:pPr marL="457200" indent="-457200">
-              <a:lnSpc>
-                <a:spcPct val="150000"/>
-              </a:lnSpc>
-              <a:buFont typeface="Arial" panose="020B0604020202020204" pitchFamily="34" charset="0"/>
-              <a:buChar char="•"/>
-            </a:pPr>
-            <a:r>
-              <a:rPr lang="ja-JP" altLang="en-US" sz="2800" dirty="0">
-                <a:solidFill>
-                  <a:srgbClr val="343F56"/>
-                </a:solidFill>
-                <a:latin typeface="MS Gothic" panose="020B0609070205080204" pitchFamily="49" charset="-128"/>
-                <a:ea typeface="MS Gothic" panose="020B0609070205080204" pitchFamily="49" charset="-128"/>
-              </a:rPr>
-              <a:t>課題１（７個のサイコロは同じ出目になる確率） </a:t>
+              <a:t>実行環境　　　　　　　　　　　　　　　　　　</a:t>
             </a:r>
             <a:r>
               <a:rPr lang="en-US" altLang="ja-JP" sz="2800" dirty="0">
@@ -16821,15 +16797,47 @@
                 <a:latin typeface="MS Gothic" panose="020B0609070205080204" pitchFamily="49" charset="-128"/>
                 <a:ea typeface="MS Gothic" panose="020B0609070205080204" pitchFamily="49" charset="-128"/>
               </a:rPr>
-              <a:t>課題２（円の面積）</a:t>
+              <a:t>課題１（７個のサイコロは同じ出目になる確率）</a:t>
             </a:r>
-            <a:endParaRPr lang="en-US" altLang="ja-JP" sz="2800" dirty="0">
-              <a:solidFill>
-                <a:srgbClr val="343F56"/>
-              </a:solidFill>
-              <a:latin typeface="MS Gothic" panose="020B0609070205080204" pitchFamily="49" charset="-128"/>
-              <a:ea typeface="MS Gothic" panose="020B0609070205080204" pitchFamily="49" charset="-128"/>
-            </a:endParaRPr>
+            <a:r>
+              <a:rPr lang="en-US" altLang="ja-JP" sz="2800" dirty="0">
+                <a:solidFill>
+                  <a:srgbClr val="343F56"/>
+                </a:solidFill>
+                <a:latin typeface="MS Gothic" panose="020B0609070205080204" pitchFamily="49" charset="-128"/>
+                <a:ea typeface="MS Gothic" panose="020B0609070205080204" pitchFamily="49" charset="-128"/>
+              </a:rPr>
+              <a:t>p.4</a:t>
+            </a:r>
+          </a:p>
+          <a:p>
+            <a:pPr marL="457200" indent="-457200">
+              <a:lnSpc>
+                <a:spcPct val="150000"/>
+              </a:lnSpc>
+              <a:buFont typeface="Arial" panose="020B0604020202020204" pitchFamily="34" charset="0"/>
+              <a:buChar char="•"/>
+            </a:pPr>
+            <a:r>
+              <a:rPr lang="ja-JP" altLang="en-US" sz="2800" dirty="0">
+                <a:solidFill>
+                  <a:srgbClr val="343F56"/>
+                </a:solidFill>
+                <a:latin typeface="MS Gothic" panose="020B0609070205080204" pitchFamily="49" charset="-128"/>
+                <a:ea typeface="MS Gothic" panose="020B0609070205080204" pitchFamily="49" charset="-128"/>
+              </a:rPr>
+              <a:t>課題２（円の面積）　　　　　　　　　　　　　</a:t>
+            </a:r>
+            <a:r>
+              <a:rPr lang="en-US" altLang="ja-JP" sz="2800" dirty="0">
+                <a:solidFill>
+                  <a:srgbClr val="343F56"/>
+                </a:solidFill>
+                <a:latin typeface="MS Gothic" panose="020B0609070205080204" pitchFamily="49" charset="-128"/>
+                <a:ea typeface="MS Gothic" panose="020B0609070205080204" pitchFamily="49" charset="-128"/>
+              </a:rPr>
+              <a:t>p.12</a:t>
+            </a:r>
           </a:p>
           <a:p>
             <a:pPr marL="457200" indent="-457200">
@@ -16867,15 +16875,18 @@
                 <a:latin typeface="MS Gothic" panose="020B0609070205080204" pitchFamily="49" charset="-128"/>
                 <a:ea typeface="MS Gothic" panose="020B0609070205080204" pitchFamily="49" charset="-128"/>
               </a:rPr>
-              <a:t>名を横一列に並べる）</a:t>
+              <a:t>名を横一列に並べる）　　　　　</a:t>
             </a:r>
-            <a:endParaRPr lang="en-US" altLang="ja-JP" sz="2800" dirty="0">
-              <a:solidFill>
-                <a:srgbClr val="343F56"/>
-              </a:solidFill>
-              <a:latin typeface="MS Gothic" panose="020B0609070205080204" pitchFamily="49" charset="-128"/>
-              <a:ea typeface="MS Gothic" panose="020B0609070205080204" pitchFamily="49" charset="-128"/>
-            </a:endParaRPr>
+            <a:r>
+              <a:rPr lang="en-US" altLang="ja-JP" sz="2800" dirty="0">
+                <a:solidFill>
+                  <a:srgbClr val="343F56"/>
+                </a:solidFill>
+                <a:latin typeface="MS Gothic" panose="020B0609070205080204" pitchFamily="49" charset="-128"/>
+                <a:ea typeface="MS Gothic" panose="020B0609070205080204" pitchFamily="49" charset="-128"/>
+              </a:rPr>
+              <a:t>p.17</a:t>
+            </a:r>
           </a:p>
           <a:p>
             <a:pPr marL="457200" indent="-457200">
@@ -16893,15 +16904,18 @@
                 <a:latin typeface="MS Gothic" panose="020B0609070205080204" pitchFamily="49" charset="-128"/>
                 <a:ea typeface="MS Gothic" panose="020B0609070205080204" pitchFamily="49" charset="-128"/>
               </a:rPr>
-              <a:t>課題４（コインゲーム）</a:t>
+              <a:t>課題４（コインゲーム）　　　　　　　　　　　</a:t>
             </a:r>
-            <a:endParaRPr lang="en-US" altLang="ja-JP" sz="2800" dirty="0">
-              <a:solidFill>
-                <a:srgbClr val="343F56"/>
-              </a:solidFill>
-              <a:latin typeface="MS Gothic" panose="020B0609070205080204" pitchFamily="49" charset="-128"/>
-              <a:ea typeface="MS Gothic" panose="020B0609070205080204" pitchFamily="49" charset="-128"/>
-            </a:endParaRPr>
+            <a:r>
+              <a:rPr lang="en-US" altLang="ja-JP" sz="2800" dirty="0">
+                <a:solidFill>
+                  <a:srgbClr val="343F56"/>
+                </a:solidFill>
+                <a:latin typeface="MS Gothic" panose="020B0609070205080204" pitchFamily="49" charset="-128"/>
+                <a:ea typeface="MS Gothic" panose="020B0609070205080204" pitchFamily="49" charset="-128"/>
+              </a:rPr>
+              <a:t>p.21</a:t>
+            </a:r>
           </a:p>
           <a:p>
             <a:pPr marL="457200" indent="-457200">
@@ -16919,7 +16933,17 @@
                 <a:latin typeface="MS Gothic" panose="020B0609070205080204" pitchFamily="49" charset="-128"/>
                 <a:ea typeface="MS Gothic" panose="020B0609070205080204" pitchFamily="49" charset="-128"/>
               </a:rPr>
-              <a:t>課題５（ビンゴゲーム）</a:t>
+              <a:t>課題５（ビンゴゲーム）　　　　　　　　　　　</a:t>
+            </a:r>
+            <a:r>
+              <a:rPr lang="en-US" altLang="ja-JP" sz="2800">
+                <a:solidFill>
+                  <a:srgbClr val="343F56"/>
+                </a:solidFill>
+                <a:latin typeface="MS Gothic" panose="020B0609070205080204" pitchFamily="49" charset="-128"/>
+                <a:ea typeface="MS Gothic" panose="020B0609070205080204" pitchFamily="49" charset="-128"/>
+              </a:rPr>
+              <a:t>p.26</a:t>
             </a:r>
             <a:endParaRPr lang="en-US" sz="2800" dirty="0">
               <a:solidFill>
@@ -17250,8 +17274,8 @@
           </a:p>
         </p:txBody>
       </p:sp>
-      <mc:AlternateContent xmlns:mc="http://schemas.openxmlformats.org/markup-compatibility/2006">
-        <mc:Choice xmlns:a14="http://schemas.microsoft.com/office/drawing/2010/main" Requires="a14">
+      <mc:AlternateContent xmlns:mc="http://schemas.openxmlformats.org/markup-compatibility/2006" xmlns:a14="http://schemas.microsoft.com/office/drawing/2010/main">
+        <mc:Choice Requires="a14">
           <p:sp>
             <p:nvSpPr>
               <p:cNvPr id="11" name="TextBox 10">
@@ -17353,7 +17377,7 @@
             </p:txBody>
           </p:sp>
         </mc:Choice>
-        <mc:Fallback>
+        <mc:Fallback xmlns="">
           <p:sp>
             <p:nvSpPr>
               <p:cNvPr id="11" name="TextBox 10">
@@ -32710,8 +32734,8 @@
           </a:prstGeom>
         </p:spPr>
       </p:pic>
-      <mc:AlternateContent xmlns:mc="http://schemas.openxmlformats.org/markup-compatibility/2006">
-        <mc:Choice xmlns:a14="http://schemas.microsoft.com/office/drawing/2010/main" Requires="a14">
+      <mc:AlternateContent xmlns:mc="http://schemas.openxmlformats.org/markup-compatibility/2006" xmlns:a14="http://schemas.microsoft.com/office/drawing/2010/main">
+        <mc:Choice Requires="a14">
           <p:sp>
             <p:nvSpPr>
               <p:cNvPr id="11" name="TextBox 10">
@@ -32829,17 +32853,7 @@
                             <a:latin typeface="Cambria Math" panose="02040503050406030204" pitchFamily="18" charset="0"/>
                             <a:ea typeface="Cambria Math" panose="02040503050406030204" pitchFamily="18" charset="0"/>
                           </a:rPr>
-                          <m:t>−</m:t>
-                        </m:r>
-                        <m:r>
-                          <a:rPr lang="en-US" altLang="ja-JP" sz="2800" b="0" i="1" smtClean="0">
-                            <a:solidFill>
-                              <a:srgbClr val="F5E6CA"/>
-                            </a:solidFill>
-                            <a:latin typeface="Cambria Math" panose="02040503050406030204" pitchFamily="18" charset="0"/>
-                            <a:ea typeface="Cambria Math" panose="02040503050406030204" pitchFamily="18" charset="0"/>
-                          </a:rPr>
-                          <m:t>6</m:t>
+                          <m:t>−6</m:t>
                         </m:r>
                       </m:sup>
                     </m:sSup>
@@ -32856,7 +32870,7 @@
             </p:txBody>
           </p:sp>
         </mc:Choice>
-        <mc:Fallback>
+        <mc:Fallback xmlns="">
           <p:sp>
             <p:nvSpPr>
               <p:cNvPr id="11" name="TextBox 10">
@@ -33335,8 +33349,8 @@
           </a:p>
         </p:txBody>
       </p:sp>
-      <mc:AlternateContent xmlns:mc="http://schemas.openxmlformats.org/markup-compatibility/2006">
-        <mc:Choice xmlns:a14="http://schemas.microsoft.com/office/drawing/2010/main" Requires="a14">
+      <mc:AlternateContent xmlns:mc="http://schemas.openxmlformats.org/markup-compatibility/2006" xmlns:a14="http://schemas.microsoft.com/office/drawing/2010/main">
+        <mc:Choice Requires="a14">
           <p:graphicFrame>
             <p:nvGraphicFramePr>
               <p:cNvPr id="13" name="Table 12">
@@ -34009,17 +34023,7 @@
                                         <a:latin typeface="Cambria Math" panose="02040503050406030204" pitchFamily="18" charset="0"/>
                                         <a:ea typeface="Cambria Math" panose="02040503050406030204" pitchFamily="18" charset="0"/>
                                       </a:rPr>
-                                      <m:t>−</m:t>
-                                    </m:r>
-                                    <m:r>
-                                      <a:rPr lang="en-US" sz="2400" b="0" i="1" smtClean="0">
-                                        <a:solidFill>
-                                          <a:srgbClr val="343F56"/>
-                                        </a:solidFill>
-                                        <a:latin typeface="Cambria Math" panose="02040503050406030204" pitchFamily="18" charset="0"/>
-                                        <a:ea typeface="Cambria Math" panose="02040503050406030204" pitchFamily="18" charset="0"/>
-                                      </a:rPr>
-                                      <m:t>6</m:t>
+                                      <m:t>−6</m:t>
                                     </m:r>
                                   </m:sup>
                                 </m:sSup>
@@ -34255,27 +34259,7 @@
                                     <a:latin typeface="Cambria Math" panose="02040503050406030204" pitchFamily="18" charset="0"/>
                                     <a:ea typeface="+mn-ea"/>
                                   </a:rPr>
-                                  <m:t>1</m:t>
-                                </m:r>
-                                <m:r>
-                                  <a:rPr lang="en-US" sz="2400" b="0" i="1" smtClean="0">
-                                    <a:solidFill>
-                                      <a:srgbClr val="343F56"/>
-                                    </a:solidFill>
-                                    <a:latin typeface="Cambria Math" panose="02040503050406030204" pitchFamily="18" charset="0"/>
-                                    <a:ea typeface="+mn-ea"/>
-                                  </a:rPr>
-                                  <m:t>.3</m:t>
-                                </m:r>
-                                <m:r>
-                                  <a:rPr lang="en-US" sz="2400" b="0" i="1" smtClean="0">
-                                    <a:solidFill>
-                                      <a:srgbClr val="343F56"/>
-                                    </a:solidFill>
-                                    <a:latin typeface="Cambria Math" panose="02040503050406030204" pitchFamily="18" charset="0"/>
-                                    <a:ea typeface="+mn-ea"/>
-                                  </a:rPr>
-                                  <m:t>54</m:t>
+                                  <m:t>1.354</m:t>
                                 </m:r>
                                 <m:r>
                                   <a:rPr lang="en-US" sz="2400" i="1" smtClean="0">
@@ -34476,7 +34460,7 @@
             </a:graphic>
           </p:graphicFrame>
         </mc:Choice>
-        <mc:Fallback>
+        <mc:Fallback xmlns="">
           <p:graphicFrame>
             <p:nvGraphicFramePr>
               <p:cNvPr id="13" name="Table 12">
@@ -35504,7 +35488,7 @@
 </file>
 
 <file path=ppt/slides/slide34.xml><?xml version="1.0" encoding="utf-8"?>
-<p:sld xmlns:a="http://schemas.openxmlformats.org/drawingml/2006/main" xmlns:r="http://schemas.openxmlformats.org/officeDocument/2006/relationships" xmlns:p="http://schemas.openxmlformats.org/presentationml/2006/main" show="0">
+<p:sld xmlns:a="http://schemas.openxmlformats.org/drawingml/2006/main" xmlns:r="http://schemas.openxmlformats.org/officeDocument/2006/relationships" xmlns:p="http://schemas.openxmlformats.org/presentationml/2006/main">
   <p:cSld>
     <p:bg>
       <p:bgPr>
@@ -35712,8 +35696,8 @@
           </a:p>
         </p:txBody>
       </p:sp>
-      <mc:AlternateContent xmlns:mc="http://schemas.openxmlformats.org/markup-compatibility/2006">
-        <mc:Choice xmlns:a14="http://schemas.microsoft.com/office/drawing/2010/main" Requires="a14">
+      <mc:AlternateContent xmlns:mc="http://schemas.openxmlformats.org/markup-compatibility/2006" xmlns:a14="http://schemas.microsoft.com/office/drawing/2010/main">
+        <mc:Choice Requires="a14">
           <p:sp>
             <p:nvSpPr>
               <p:cNvPr id="12" name="TextBox 11">
@@ -35811,7 +35795,7 @@
             </p:txBody>
           </p:sp>
         </mc:Choice>
-        <mc:Fallback>
+        <mc:Fallback xmlns="">
           <p:sp>
             <p:nvSpPr>
               <p:cNvPr id="12" name="TextBox 11">
@@ -35856,8 +35840,8 @@
           </p:sp>
         </mc:Fallback>
       </mc:AlternateContent>
-      <mc:AlternateContent xmlns:mc="http://schemas.openxmlformats.org/markup-compatibility/2006">
-        <mc:Choice xmlns:a14="http://schemas.microsoft.com/office/drawing/2010/main" Requires="a14">
+      <mc:AlternateContent xmlns:mc="http://schemas.openxmlformats.org/markup-compatibility/2006" xmlns:a14="http://schemas.microsoft.com/office/drawing/2010/main">
+        <mc:Choice Requires="a14">
           <p:sp>
             <p:nvSpPr>
               <p:cNvPr id="13" name="TextBox 12">
@@ -35959,7 +35943,7 @@
             </p:txBody>
           </p:sp>
         </mc:Choice>
-        <mc:Fallback>
+        <mc:Fallback xmlns="">
           <p:sp>
             <p:nvSpPr>
               <p:cNvPr id="13" name="TextBox 12">
@@ -36004,8 +35988,8 @@
           </p:sp>
         </mc:Fallback>
       </mc:AlternateContent>
-      <mc:AlternateContent xmlns:mc="http://schemas.openxmlformats.org/markup-compatibility/2006">
-        <mc:Choice xmlns:a14="http://schemas.microsoft.com/office/drawing/2010/main" Requires="a14">
+      <mc:AlternateContent xmlns:mc="http://schemas.openxmlformats.org/markup-compatibility/2006" xmlns:a14="http://schemas.microsoft.com/office/drawing/2010/main">
+        <mc:Choice Requires="a14">
           <p:sp>
             <p:nvSpPr>
               <p:cNvPr id="14" name="TextBox 13">
@@ -36096,7 +36080,7 @@
             </p:txBody>
           </p:sp>
         </mc:Choice>
-        <mc:Fallback>
+        <mc:Fallback xmlns="">
           <p:sp>
             <p:nvSpPr>
               <p:cNvPr id="14" name="TextBox 13">
@@ -36243,7 +36227,7 @@
 </file>
 
 <file path=ppt/slides/slide35.xml><?xml version="1.0" encoding="utf-8"?>
-<p:sld xmlns:a="http://schemas.openxmlformats.org/drawingml/2006/main" xmlns:r="http://schemas.openxmlformats.org/officeDocument/2006/relationships" xmlns:p="http://schemas.openxmlformats.org/presentationml/2006/main" show="0">
+<p:sld xmlns:a="http://schemas.openxmlformats.org/drawingml/2006/main" xmlns:r="http://schemas.openxmlformats.org/officeDocument/2006/relationships" xmlns:p="http://schemas.openxmlformats.org/presentationml/2006/main">
   <p:cSld>
     <p:bg>
       <p:bgPr>
@@ -36428,8 +36412,8 @@
           </a:p>
         </p:txBody>
       </p:sp>
-      <mc:AlternateContent xmlns:mc="http://schemas.openxmlformats.org/markup-compatibility/2006">
-        <mc:Choice xmlns:a14="http://schemas.microsoft.com/office/drawing/2010/main" Requires="a14">
+      <mc:AlternateContent xmlns:mc="http://schemas.openxmlformats.org/markup-compatibility/2006" xmlns:a14="http://schemas.microsoft.com/office/drawing/2010/main">
+        <mc:Choice Requires="a14">
           <p:sp>
             <p:nvSpPr>
               <p:cNvPr id="2" name="TextBox 1">
@@ -36458,6 +36442,7 @@
               </a:bodyPr>
               <a:lstStyle/>
               <a:p>
+                <a:pPr/>
                 <a14:m>
                   <m:oMathPara xmlns:m="http://schemas.openxmlformats.org/officeDocument/2006/math">
                     <m:oMathParaPr>
@@ -36591,7 +36576,7 @@
             </p:txBody>
           </p:sp>
         </mc:Choice>
-        <mc:Fallback>
+        <mc:Fallback xmlns="">
           <p:sp>
             <p:nvSpPr>
               <p:cNvPr id="2" name="TextBox 1">
@@ -36716,7 +36701,7 @@
 </file>
 
 <file path=ppt/slides/slide36.xml><?xml version="1.0" encoding="utf-8"?>
-<p:sld xmlns:a="http://schemas.openxmlformats.org/drawingml/2006/main" xmlns:r="http://schemas.openxmlformats.org/officeDocument/2006/relationships" xmlns:p="http://schemas.openxmlformats.org/presentationml/2006/main" show="0">
+<p:sld xmlns:a="http://schemas.openxmlformats.org/drawingml/2006/main" xmlns:r="http://schemas.openxmlformats.org/officeDocument/2006/relationships" xmlns:p="http://schemas.openxmlformats.org/presentationml/2006/main">
   <p:cSld>
     <p:bg>
       <p:bgPr>
@@ -36901,8 +36886,8 @@
           </a:p>
         </p:txBody>
       </p:sp>
-      <mc:AlternateContent xmlns:mc="http://schemas.openxmlformats.org/markup-compatibility/2006">
-        <mc:Choice xmlns:a14="http://schemas.microsoft.com/office/drawing/2010/main" Requires="a14">
+      <mc:AlternateContent xmlns:mc="http://schemas.openxmlformats.org/markup-compatibility/2006" xmlns:a14="http://schemas.microsoft.com/office/drawing/2010/main">
+        <mc:Choice Requires="a14">
           <p:sp>
             <p:nvSpPr>
               <p:cNvPr id="2" name="TextBox 1">
@@ -36931,6 +36916,7 @@
               </a:bodyPr>
               <a:lstStyle/>
               <a:p>
+                <a:pPr/>
                 <a14:m>
                   <m:oMathPara xmlns:m="http://schemas.openxmlformats.org/officeDocument/2006/math">
                     <m:oMathParaPr>
@@ -37064,7 +37050,7 @@
             </p:txBody>
           </p:sp>
         </mc:Choice>
-        <mc:Fallback>
+        <mc:Fallback xmlns="">
           <p:sp>
             <p:nvSpPr>
               <p:cNvPr id="2" name="TextBox 1">
@@ -37180,6 +37166,1294 @@
       </p:transition>
     </mc:Choice>
     <mc:Fallback>
+      <p:transition spd="slow">
+        <p:fade/>
+      </p:transition>
+    </mc:Fallback>
+  </mc:AlternateContent>
+</p:sld>
+</file>
+
+<file path=ppt/slides/slide37.xml><?xml version="1.0" encoding="utf-8"?>
+<p:sld xmlns:a="http://schemas.openxmlformats.org/drawingml/2006/main" xmlns:r="http://schemas.openxmlformats.org/officeDocument/2006/relationships" xmlns:p="http://schemas.openxmlformats.org/presentationml/2006/main">
+  <p:cSld>
+    <p:bg>
+      <p:bgPr>
+        <a:solidFill>
+          <a:srgbClr val="343F56"/>
+        </a:solidFill>
+        <a:effectLst/>
+      </p:bgPr>
+    </p:bg>
+    <p:spTree>
+      <p:nvGrpSpPr>
+        <p:cNvPr id="1" name=""/>
+        <p:cNvGrpSpPr/>
+        <p:nvPr/>
+      </p:nvGrpSpPr>
+      <p:grpSpPr>
+        <a:xfrm>
+          <a:off x="0" y="0"/>
+          <a:ext cx="0" cy="0"/>
+          <a:chOff x="0" y="0"/>
+          <a:chExt cx="0" cy="0"/>
+        </a:xfrm>
+      </p:grpSpPr>
+      <p:sp>
+        <p:nvSpPr>
+          <p:cNvPr id="8" name="Rectangle 7">
+            <a:extLst>
+              <a:ext uri="{FF2B5EF4-FFF2-40B4-BE49-F238E27FC236}">
+                <a16:creationId xmlns:a16="http://schemas.microsoft.com/office/drawing/2014/main" id="{62A71C6E-8C4E-4557-A00A-DFA52CAA4E60}"/>
+              </a:ext>
+            </a:extLst>
+          </p:cNvPr>
+          <p:cNvSpPr/>
+          <p:nvPr/>
+        </p:nvSpPr>
+        <p:spPr>
+          <a:xfrm>
+            <a:off x="4610100" y="0"/>
+            <a:ext cx="7581899" cy="6857999"/>
+          </a:xfrm>
+          <a:prstGeom prst="rect">
+            <a:avLst/>
+          </a:prstGeom>
+          <a:solidFill>
+            <a:srgbClr val="F5E6CA"/>
+          </a:solidFill>
+          <a:ln>
+            <a:noFill/>
+          </a:ln>
+        </p:spPr>
+        <p:style>
+          <a:lnRef idx="2">
+            <a:schemeClr val="accent1">
+              <a:shade val="50000"/>
+            </a:schemeClr>
+          </a:lnRef>
+          <a:fillRef idx="1">
+            <a:schemeClr val="accent1"/>
+          </a:fillRef>
+          <a:effectRef idx="0">
+            <a:schemeClr val="accent1"/>
+          </a:effectRef>
+          <a:fontRef idx="minor">
+            <a:schemeClr val="lt1"/>
+          </a:fontRef>
+        </p:style>
+        <p:txBody>
+          <a:bodyPr rtlCol="0" anchor="ctr"/>
+          <a:lstStyle/>
+          <a:p>
+            <a:pPr algn="ctr"/>
+            <a:endParaRPr lang="en-US" u="sng" dirty="0"/>
+          </a:p>
+        </p:txBody>
+      </p:sp>
+      <p:sp>
+        <p:nvSpPr>
+          <p:cNvPr id="5" name="Title 1">
+            <a:extLst>
+              <a:ext uri="{FF2B5EF4-FFF2-40B4-BE49-F238E27FC236}">
+                <a16:creationId xmlns:a16="http://schemas.microsoft.com/office/drawing/2014/main" id="{AF40F835-B5EB-41D9-ABCF-76BAD5E1A6DC}"/>
+              </a:ext>
+            </a:extLst>
+          </p:cNvPr>
+          <p:cNvSpPr txBox="1">
+            <a:spLocks/>
+          </p:cNvSpPr>
+          <p:nvPr/>
+        </p:nvSpPr>
+        <p:spPr>
+          <a:xfrm>
+            <a:off x="241300" y="215900"/>
+            <a:ext cx="4831694" cy="1556456"/>
+          </a:xfrm>
+          <a:prstGeom prst="rect">
+            <a:avLst/>
+          </a:prstGeom>
+        </p:spPr>
+        <p:txBody>
+          <a:bodyPr vert="horz" lIns="91440" tIns="45720" rIns="91440" bIns="45720" rtlCol="0" anchor="b">
+            <a:normAutofit fontScale="85000" lnSpcReduction="20000"/>
+          </a:bodyPr>
+          <a:lstStyle>
+            <a:lvl1pPr algn="ctr" defTabSz="914400" rtl="0" eaLnBrk="1" latinLnBrk="0" hangingPunct="1">
+              <a:lnSpc>
+                <a:spcPct val="90000"/>
+              </a:lnSpc>
+              <a:spcBef>
+                <a:spcPct val="0"/>
+              </a:spcBef>
+              <a:buNone/>
+              <a:defRPr sz="6000" kern="1200">
+                <a:solidFill>
+                  <a:schemeClr val="tx1"/>
+                </a:solidFill>
+                <a:latin typeface="+mj-lt"/>
+                <a:ea typeface="+mj-ea"/>
+                <a:cs typeface="+mj-cs"/>
+              </a:defRPr>
+            </a:lvl1pPr>
+          </a:lstStyle>
+          <a:p>
+            <a:pPr algn="l">
+              <a:lnSpc>
+                <a:spcPct val="110000"/>
+              </a:lnSpc>
+            </a:pPr>
+            <a:r>
+              <a:rPr lang="en-US" altLang="ja-JP" sz="4000" b="1" dirty="0">
+                <a:solidFill>
+                  <a:srgbClr val="F5E6CA"/>
+                </a:solidFill>
+                <a:latin typeface="MS Gothic" panose="020B0609070205080204" pitchFamily="49" charset="-128"/>
+                <a:ea typeface="MS Gothic" panose="020B0609070205080204" pitchFamily="49" charset="-128"/>
+              </a:rPr>
+              <a:t>8</a:t>
+            </a:r>
+            <a:r>
+              <a:rPr lang="ja-JP" altLang="en-US" sz="4000" b="1" dirty="0">
+                <a:solidFill>
+                  <a:srgbClr val="F5E6CA"/>
+                </a:solidFill>
+                <a:latin typeface="MS Gothic" panose="020B0609070205080204" pitchFamily="49" charset="-128"/>
+                <a:ea typeface="MS Gothic" panose="020B0609070205080204" pitchFamily="49" charset="-128"/>
+              </a:rPr>
+              <a:t>個のサイコロが</a:t>
+            </a:r>
+            <a:endParaRPr lang="en-US" altLang="ja-JP" sz="4000" b="1" dirty="0">
+              <a:solidFill>
+                <a:srgbClr val="F5E6CA"/>
+              </a:solidFill>
+              <a:latin typeface="MS Gothic" panose="020B0609070205080204" pitchFamily="49" charset="-128"/>
+              <a:ea typeface="MS Gothic" panose="020B0609070205080204" pitchFamily="49" charset="-128"/>
+            </a:endParaRPr>
+          </a:p>
+          <a:p>
+            <a:pPr algn="l">
+              <a:lnSpc>
+                <a:spcPct val="110000"/>
+              </a:lnSpc>
+            </a:pPr>
+            <a:r>
+              <a:rPr lang="ja-JP" altLang="en-US" sz="4000" b="1" dirty="0">
+                <a:solidFill>
+                  <a:srgbClr val="F5E6CA"/>
+                </a:solidFill>
+                <a:latin typeface="MS Gothic" panose="020B0609070205080204" pitchFamily="49" charset="-128"/>
+                <a:ea typeface="MS Gothic" panose="020B0609070205080204" pitchFamily="49" charset="-128"/>
+              </a:rPr>
+              <a:t>同じ出目のシミュレ</a:t>
+            </a:r>
+            <a:endParaRPr lang="en-US" altLang="ja-JP" sz="4000" b="1" dirty="0">
+              <a:solidFill>
+                <a:srgbClr val="F5E6CA"/>
+              </a:solidFill>
+              <a:latin typeface="MS Gothic" panose="020B0609070205080204" pitchFamily="49" charset="-128"/>
+              <a:ea typeface="MS Gothic" panose="020B0609070205080204" pitchFamily="49" charset="-128"/>
+            </a:endParaRPr>
+          </a:p>
+          <a:p>
+            <a:pPr algn="l">
+              <a:lnSpc>
+                <a:spcPct val="110000"/>
+              </a:lnSpc>
+            </a:pPr>
+            <a:r>
+              <a:rPr lang="ja-JP" altLang="en-US" sz="4000" b="1" dirty="0">
+                <a:solidFill>
+                  <a:srgbClr val="F5E6CA"/>
+                </a:solidFill>
+                <a:latin typeface="MS Gothic" panose="020B0609070205080204" pitchFamily="49" charset="-128"/>
+                <a:ea typeface="MS Gothic" panose="020B0609070205080204" pitchFamily="49" charset="-128"/>
+              </a:rPr>
+              <a:t>ーション結果</a:t>
+            </a:r>
+            <a:endParaRPr lang="en-US" sz="4000" b="1" dirty="0">
+              <a:solidFill>
+                <a:srgbClr val="F5E6CA"/>
+              </a:solidFill>
+              <a:latin typeface="MS Gothic" panose="020B0609070205080204" pitchFamily="49" charset="-128"/>
+              <a:ea typeface="MS Gothic" panose="020B0609070205080204" pitchFamily="49" charset="-128"/>
+            </a:endParaRPr>
+          </a:p>
+        </p:txBody>
+      </p:sp>
+      <p:sp>
+        <p:nvSpPr>
+          <p:cNvPr id="9" name="TextBox 8">
+            <a:extLst>
+              <a:ext uri="{FF2B5EF4-FFF2-40B4-BE49-F238E27FC236}">
+                <a16:creationId xmlns:a16="http://schemas.microsoft.com/office/drawing/2014/main" id="{490C3D9F-6C28-4BE1-8673-D3EE5A2DA53E}"/>
+              </a:ext>
+            </a:extLst>
+          </p:cNvPr>
+          <p:cNvSpPr txBox="1"/>
+          <p:nvPr/>
+        </p:nvSpPr>
+        <p:spPr>
+          <a:xfrm>
+            <a:off x="11725275" y="6376524"/>
+            <a:ext cx="466725" cy="400110"/>
+          </a:xfrm>
+          <a:prstGeom prst="rect">
+            <a:avLst/>
+          </a:prstGeom>
+          <a:noFill/>
+        </p:spPr>
+        <p:txBody>
+          <a:bodyPr wrap="square" rtlCol="0">
+            <a:spAutoFit/>
+          </a:bodyPr>
+          <a:lstStyle/>
+          <a:p>
+            <a:r>
+              <a:rPr lang="en-US" sz="2000" b="1" dirty="0">
+                <a:solidFill>
+                  <a:srgbClr val="343F56"/>
+                </a:solidFill>
+                <a:latin typeface="MS Mincho" panose="02020609040205080304" pitchFamily="49" charset="-128"/>
+                <a:ea typeface="MS Mincho" panose="02020609040205080304" pitchFamily="49" charset="-128"/>
+              </a:rPr>
+              <a:t>10</a:t>
+            </a:r>
+          </a:p>
+        </p:txBody>
+      </p:sp>
+      <mc:AlternateContent xmlns:mc="http://schemas.openxmlformats.org/markup-compatibility/2006">
+        <mc:Choice xmlns:a14="http://schemas.microsoft.com/office/drawing/2010/main" Requires="a14">
+          <p:sp>
+            <p:nvSpPr>
+              <p:cNvPr id="12" name="TextBox 11">
+                <a:extLst>
+                  <a:ext uri="{FF2B5EF4-FFF2-40B4-BE49-F238E27FC236}">
+                    <a16:creationId xmlns:a16="http://schemas.microsoft.com/office/drawing/2014/main" id="{FA3E1B84-553C-4BCD-8207-EB68A55F5EF2}"/>
+                  </a:ext>
+                </a:extLst>
+              </p:cNvPr>
+              <p:cNvSpPr txBox="1"/>
+              <p:nvPr/>
+            </p:nvSpPr>
+            <p:spPr>
+              <a:xfrm>
+                <a:off x="133350" y="2180571"/>
+                <a:ext cx="4368799" cy="4155497"/>
+              </a:xfrm>
+              <a:prstGeom prst="rect">
+                <a:avLst/>
+              </a:prstGeom>
+              <a:noFill/>
+            </p:spPr>
+            <p:txBody>
+              <a:bodyPr wrap="square" rtlCol="0">
+                <a:spAutoFit/>
+              </a:bodyPr>
+              <a:lstStyle/>
+              <a:p>
+                <a:pPr marL="457200" indent="-457200">
+                  <a:lnSpc>
+                    <a:spcPct val="150000"/>
+                  </a:lnSpc>
+                  <a:spcAft>
+                    <a:spcPts val="600"/>
+                  </a:spcAft>
+                  <a:buFont typeface="Arial" panose="020B0604020202020204" pitchFamily="34" charset="0"/>
+                  <a:buChar char="•"/>
+                </a:pPr>
+                <a:r>
+                  <a:rPr lang="en-US" altLang="ja-JP" sz="2800" dirty="0">
+                    <a:solidFill>
+                      <a:srgbClr val="F5E6CA"/>
+                    </a:solidFill>
+                    <a:latin typeface="MS Gothic" panose="020B0609070205080204" pitchFamily="49" charset="-128"/>
+                    <a:ea typeface="MS Gothic" panose="020B0609070205080204" pitchFamily="49" charset="-128"/>
+                  </a:rPr>
+                  <a:t>6</a:t>
+                </a:r>
+                <a:r>
+                  <a:rPr lang="ja-JP" altLang="en-US" sz="2800" dirty="0">
+                    <a:solidFill>
+                      <a:srgbClr val="F5E6CA"/>
+                    </a:solidFill>
+                    <a:latin typeface="MS Gothic" panose="020B0609070205080204" pitchFamily="49" charset="-128"/>
+                    <a:ea typeface="MS Gothic" panose="020B0609070205080204" pitchFamily="49" charset="-128"/>
+                  </a:rPr>
+                  <a:t>面サイコロ</a:t>
+                </a:r>
+                <a:endParaRPr lang="en-US" altLang="ja-JP" sz="2800" dirty="0">
+                  <a:solidFill>
+                    <a:srgbClr val="F5E6CA"/>
+                  </a:solidFill>
+                  <a:latin typeface="MS Gothic" panose="020B0609070205080204" pitchFamily="49" charset="-128"/>
+                  <a:ea typeface="MS Gothic" panose="020B0609070205080204" pitchFamily="49" charset="-128"/>
+                </a:endParaRPr>
+              </a:p>
+              <a:p>
+                <a:pPr marL="457200" indent="-457200">
+                  <a:lnSpc>
+                    <a:spcPct val="150000"/>
+                  </a:lnSpc>
+                  <a:spcAft>
+                    <a:spcPts val="600"/>
+                  </a:spcAft>
+                  <a:buFont typeface="Arial" panose="020B0604020202020204" pitchFamily="34" charset="0"/>
+                  <a:buChar char="•"/>
+                </a:pPr>
+                <a:r>
+                  <a:rPr lang="ja-JP" altLang="en-US" sz="2800" dirty="0">
+                    <a:solidFill>
+                      <a:srgbClr val="F5E6CA"/>
+                    </a:solidFill>
+                    <a:latin typeface="MS Gothic" panose="020B0609070205080204" pitchFamily="49" charset="-128"/>
+                    <a:ea typeface="MS Gothic" panose="020B0609070205080204" pitchFamily="49" charset="-128"/>
+                  </a:rPr>
+                  <a:t>理論値：</a:t>
+                </a:r>
+                <a14:m>
+                  <m:oMath xmlns:m="http://schemas.openxmlformats.org/officeDocument/2006/math">
+                    <m:r>
+                      <a:rPr lang="en-US" altLang="ja-JP" sz="2800" i="1">
+                        <a:solidFill>
+                          <a:srgbClr val="F5E6CA"/>
+                        </a:solidFill>
+                        <a:latin typeface="Cambria Math" panose="02040503050406030204" pitchFamily="18" charset="0"/>
+                        <a:ea typeface="Cambria Math" panose="02040503050406030204" pitchFamily="18" charset="0"/>
+                      </a:rPr>
+                      <m:t>3</m:t>
+                    </m:r>
+                    <m:r>
+                      <a:rPr lang="en-US" altLang="ja-JP" sz="2800" b="0" i="1" smtClean="0">
+                        <a:solidFill>
+                          <a:srgbClr val="F5E6CA"/>
+                        </a:solidFill>
+                        <a:latin typeface="Cambria Math" panose="02040503050406030204" pitchFamily="18" charset="0"/>
+                        <a:ea typeface="Cambria Math" panose="02040503050406030204" pitchFamily="18" charset="0"/>
+                      </a:rPr>
+                      <m:t>.</m:t>
+                    </m:r>
+                    <m:r>
+                      <a:rPr lang="en-US" altLang="ja-JP" sz="2800" i="1">
+                        <a:solidFill>
+                          <a:srgbClr val="F5E6CA"/>
+                        </a:solidFill>
+                        <a:latin typeface="Cambria Math" panose="02040503050406030204" pitchFamily="18" charset="0"/>
+                        <a:ea typeface="Cambria Math" panose="02040503050406030204" pitchFamily="18" charset="0"/>
+                      </a:rPr>
+                      <m:t>57</m:t>
+                    </m:r>
+                    <m:r>
+                      <a:rPr lang="en-US" altLang="ja-JP" sz="2800" b="0" i="1" smtClean="0">
+                        <a:solidFill>
+                          <a:srgbClr val="F5E6CA"/>
+                        </a:solidFill>
+                        <a:latin typeface="Cambria Math" panose="02040503050406030204" pitchFamily="18" charset="0"/>
+                        <a:ea typeface="Cambria Math" panose="02040503050406030204" pitchFamily="18" charset="0"/>
+                      </a:rPr>
+                      <m:t>×</m:t>
+                    </m:r>
+                    <m:sSup>
+                      <m:sSupPr>
+                        <m:ctrlPr>
+                          <a:rPr lang="en-US" altLang="ja-JP" sz="2800" b="0" i="1" smtClean="0">
+                            <a:solidFill>
+                              <a:srgbClr val="F5E6CA"/>
+                            </a:solidFill>
+                            <a:latin typeface="Cambria Math" panose="02040503050406030204" pitchFamily="18" charset="0"/>
+                            <a:ea typeface="Cambria Math" panose="02040503050406030204" pitchFamily="18" charset="0"/>
+                          </a:rPr>
+                        </m:ctrlPr>
+                      </m:sSupPr>
+                      <m:e>
+                        <m:r>
+                          <a:rPr lang="en-US" altLang="ja-JP" sz="2800" b="0" i="1" smtClean="0">
+                            <a:solidFill>
+                              <a:srgbClr val="F5E6CA"/>
+                            </a:solidFill>
+                            <a:latin typeface="Cambria Math" panose="02040503050406030204" pitchFamily="18" charset="0"/>
+                            <a:ea typeface="Cambria Math" panose="02040503050406030204" pitchFamily="18" charset="0"/>
+                          </a:rPr>
+                          <m:t>10</m:t>
+                        </m:r>
+                      </m:e>
+                      <m:sup>
+                        <m:r>
+                          <a:rPr lang="en-US" altLang="ja-JP" sz="2800" b="0" i="1" smtClean="0">
+                            <a:solidFill>
+                              <a:srgbClr val="F5E6CA"/>
+                            </a:solidFill>
+                            <a:latin typeface="Cambria Math" panose="02040503050406030204" pitchFamily="18" charset="0"/>
+                            <a:ea typeface="Cambria Math" panose="02040503050406030204" pitchFamily="18" charset="0"/>
+                          </a:rPr>
+                          <m:t>−6</m:t>
+                        </m:r>
+                      </m:sup>
+                    </m:sSup>
+                  </m:oMath>
+                </a14:m>
+                <a:endParaRPr lang="en-US" altLang="ja-JP" sz="2800" dirty="0">
+                  <a:solidFill>
+                    <a:srgbClr val="F5E6CA"/>
+                  </a:solidFill>
+                  <a:latin typeface="MS Gothic" panose="020B0609070205080204" pitchFamily="49" charset="-128"/>
+                  <a:ea typeface="MS Gothic" panose="020B0609070205080204" pitchFamily="49" charset="-128"/>
+                </a:endParaRPr>
+              </a:p>
+              <a:p>
+                <a:pPr marL="457200" indent="-457200">
+                  <a:lnSpc>
+                    <a:spcPct val="150000"/>
+                  </a:lnSpc>
+                  <a:spcAft>
+                    <a:spcPts val="600"/>
+                  </a:spcAft>
+                  <a:buFont typeface="Arial" panose="020B0604020202020204" pitchFamily="34" charset="0"/>
+                  <a:buChar char="•"/>
+                </a:pPr>
+                <a:r>
+                  <a:rPr lang="ja-JP" altLang="en-US" sz="2800" dirty="0">
+                    <a:solidFill>
+                      <a:srgbClr val="F5E6CA"/>
+                    </a:solidFill>
+                    <a:latin typeface="MS Gothic" panose="020B0609070205080204" pitchFamily="49" charset="-128"/>
+                    <a:ea typeface="MS Gothic" panose="020B0609070205080204" pitchFamily="49" charset="-128"/>
+                  </a:rPr>
+                  <a:t>シミュレーション回数が</a:t>
+                </a:r>
+                <a14:m>
+                  <m:oMath xmlns:m="http://schemas.openxmlformats.org/officeDocument/2006/math">
+                    <m:sSup>
+                      <m:sSupPr>
+                        <m:ctrlPr>
+                          <a:rPr lang="en-US" altLang="ja-JP" sz="2800" i="1">
+                            <a:solidFill>
+                              <a:srgbClr val="F5E6CA"/>
+                            </a:solidFill>
+                            <a:latin typeface="Cambria Math" panose="02040503050406030204" pitchFamily="18" charset="0"/>
+                          </a:rPr>
+                        </m:ctrlPr>
+                      </m:sSupPr>
+                      <m:e>
+                        <m:r>
+                          <a:rPr lang="en-US" altLang="ja-JP" sz="2800" i="1">
+                            <a:solidFill>
+                              <a:srgbClr val="F5E6CA"/>
+                            </a:solidFill>
+                            <a:latin typeface="Cambria Math" panose="02040503050406030204" pitchFamily="18" charset="0"/>
+                          </a:rPr>
+                          <m:t>10</m:t>
+                        </m:r>
+                      </m:e>
+                      <m:sup>
+                        <m:r>
+                          <a:rPr lang="en-US" altLang="ja-JP" sz="2800" b="0" i="1" smtClean="0">
+                            <a:solidFill>
+                              <a:srgbClr val="F5E6CA"/>
+                            </a:solidFill>
+                            <a:latin typeface="Cambria Math" panose="02040503050406030204" pitchFamily="18" charset="0"/>
+                          </a:rPr>
+                          <m:t>5</m:t>
+                        </m:r>
+                      </m:sup>
+                    </m:sSup>
+                  </m:oMath>
+                </a14:m>
+                <a:r>
+                  <a:rPr lang="ja-JP" altLang="en-US" sz="2800" dirty="0">
+                    <a:solidFill>
+                      <a:srgbClr val="F5E6CA"/>
+                    </a:solidFill>
+                    <a:latin typeface="MS Gothic" panose="020B0609070205080204" pitchFamily="49" charset="-128"/>
+                    <a:ea typeface="MS Gothic" panose="020B0609070205080204" pitchFamily="49" charset="-128"/>
+                  </a:rPr>
+                  <a:t>回以上から理論値に近づく．</a:t>
+                </a:r>
+                <a:endParaRPr lang="en-US" sz="2800" dirty="0">
+                  <a:solidFill>
+                    <a:srgbClr val="F5E6CA"/>
+                  </a:solidFill>
+                  <a:latin typeface="MS Gothic" panose="020B0609070205080204" pitchFamily="49" charset="-128"/>
+                  <a:ea typeface="MS Gothic" panose="020B0609070205080204" pitchFamily="49" charset="-128"/>
+                </a:endParaRPr>
+              </a:p>
+              <a:p>
+                <a:pPr marL="457200" indent="-457200">
+                  <a:lnSpc>
+                    <a:spcPct val="150000"/>
+                  </a:lnSpc>
+                  <a:spcAft>
+                    <a:spcPts val="600"/>
+                  </a:spcAft>
+                  <a:buFont typeface="Arial" panose="020B0604020202020204" pitchFamily="34" charset="0"/>
+                  <a:buChar char="•"/>
+                </a:pPr>
+                <a:endParaRPr lang="en-US" altLang="ja-JP" sz="2800" dirty="0">
+                  <a:solidFill>
+                    <a:srgbClr val="F5E6CA"/>
+                  </a:solidFill>
+                  <a:latin typeface="MS Gothic" panose="020B0609070205080204" pitchFamily="49" charset="-128"/>
+                  <a:ea typeface="MS Gothic" panose="020B0609070205080204" pitchFamily="49" charset="-128"/>
+                </a:endParaRPr>
+              </a:p>
+            </p:txBody>
+          </p:sp>
+        </mc:Choice>
+        <mc:Fallback>
+          <p:sp>
+            <p:nvSpPr>
+              <p:cNvPr id="12" name="TextBox 11">
+                <a:extLst>
+                  <a:ext uri="{FF2B5EF4-FFF2-40B4-BE49-F238E27FC236}">
+                    <a16:creationId xmlns:a16="http://schemas.microsoft.com/office/drawing/2014/main" id="{FA3E1B84-553C-4BCD-8207-EB68A55F5EF2}"/>
+                  </a:ext>
+                </a:extLst>
+              </p:cNvPr>
+              <p:cNvSpPr txBox="1">
+                <a:spLocks noRot="1" noChangeAspect="1" noMove="1" noResize="1" noEditPoints="1" noAdjustHandles="1" noChangeArrowheads="1" noChangeShapeType="1" noTextEdit="1"/>
+              </p:cNvSpPr>
+              <p:nvPr/>
+            </p:nvSpPr>
+            <p:spPr>
+              <a:xfrm>
+                <a:off x="133350" y="2180571"/>
+                <a:ext cx="4368799" cy="4155497"/>
+              </a:xfrm>
+              <a:prstGeom prst="rect">
+                <a:avLst/>
+              </a:prstGeom>
+              <a:blipFill>
+                <a:blip r:embed="rId2"/>
+                <a:stretch>
+                  <a:fillRect l="-2510"/>
+                </a:stretch>
+              </a:blipFill>
+            </p:spPr>
+            <p:txBody>
+              <a:bodyPr/>
+              <a:lstStyle/>
+              <a:p>
+                <a:r>
+                  <a:rPr lang="en-US">
+                    <a:noFill/>
+                  </a:rPr>
+                  <a:t> </a:t>
+                </a:r>
+              </a:p>
+            </p:txBody>
+          </p:sp>
+        </mc:Fallback>
+      </mc:AlternateContent>
+      <p:pic>
+        <p:nvPicPr>
+          <p:cNvPr id="3" name="Picture 2">
+            <a:extLst>
+              <a:ext uri="{FF2B5EF4-FFF2-40B4-BE49-F238E27FC236}">
+                <a16:creationId xmlns:a16="http://schemas.microsoft.com/office/drawing/2014/main" id="{23F8D4F4-E317-4028-BE3A-BC636683220C}"/>
+              </a:ext>
+            </a:extLst>
+          </p:cNvPr>
+          <p:cNvPicPr>
+            <a:picLocks noChangeAspect="1"/>
+          </p:cNvPicPr>
+          <p:nvPr/>
+        </p:nvPicPr>
+        <p:blipFill>
+          <a:blip r:embed="rId3">
+            <a:extLst>
+              <a:ext uri="{28A0092B-C50C-407E-A947-70E740481C1C}">
+                <a14:useLocalDpi xmlns:a14="http://schemas.microsoft.com/office/drawing/2010/main" val="0"/>
+              </a:ext>
+            </a:extLst>
+          </a:blip>
+          <a:stretch>
+            <a:fillRect/>
+          </a:stretch>
+        </p:blipFill>
+        <p:spPr>
+          <a:xfrm>
+            <a:off x="5072995" y="607958"/>
+            <a:ext cx="6820649" cy="5183241"/>
+          </a:xfrm>
+          <a:prstGeom prst="rect">
+            <a:avLst/>
+          </a:prstGeom>
+        </p:spPr>
+      </p:pic>
+    </p:spTree>
+    <p:extLst>
+      <p:ext uri="{BB962C8B-B14F-4D97-AF65-F5344CB8AC3E}">
+        <p14:creationId xmlns:p14="http://schemas.microsoft.com/office/powerpoint/2010/main" val="1223679786"/>
+      </p:ext>
+    </p:extLst>
+  </p:cSld>
+  <p:clrMapOvr>
+    <a:masterClrMapping/>
+  </p:clrMapOvr>
+  <mc:AlternateContent xmlns:mc="http://schemas.openxmlformats.org/markup-compatibility/2006" xmlns:p159="http://schemas.microsoft.com/office/powerpoint/2015/09/main">
+    <mc:Choice Requires="p159">
+      <p:transition xmlns:p14="http://schemas.microsoft.com/office/powerpoint/2010/main" spd="slow" p14:dur="2000">
+        <p159:morph option="byObject"/>
+      </p:transition>
+    </mc:Choice>
+    <mc:Fallback xmlns="">
+      <p:transition spd="slow">
+        <p:fade/>
+      </p:transition>
+    </mc:Fallback>
+  </mc:AlternateContent>
+</p:sld>
+</file>
+
+<file path=ppt/slides/slide38.xml><?xml version="1.0" encoding="utf-8"?>
+<p:sld xmlns:a="http://schemas.openxmlformats.org/drawingml/2006/main" xmlns:r="http://schemas.openxmlformats.org/officeDocument/2006/relationships" xmlns:p="http://schemas.openxmlformats.org/presentationml/2006/main">
+  <p:cSld>
+    <p:bg>
+      <p:bgPr>
+        <a:solidFill>
+          <a:srgbClr val="343F56"/>
+        </a:solidFill>
+        <a:effectLst/>
+      </p:bgPr>
+    </p:bg>
+    <p:spTree>
+      <p:nvGrpSpPr>
+        <p:cNvPr id="1" name=""/>
+        <p:cNvGrpSpPr/>
+        <p:nvPr/>
+      </p:nvGrpSpPr>
+      <p:grpSpPr>
+        <a:xfrm>
+          <a:off x="0" y="0"/>
+          <a:ext cx="0" cy="0"/>
+          <a:chOff x="0" y="0"/>
+          <a:chExt cx="0" cy="0"/>
+        </a:xfrm>
+      </p:grpSpPr>
+      <p:sp>
+        <p:nvSpPr>
+          <p:cNvPr id="8" name="Rectangle 7">
+            <a:extLst>
+              <a:ext uri="{FF2B5EF4-FFF2-40B4-BE49-F238E27FC236}">
+                <a16:creationId xmlns:a16="http://schemas.microsoft.com/office/drawing/2014/main" id="{62A71C6E-8C4E-4557-A00A-DFA52CAA4E60}"/>
+              </a:ext>
+            </a:extLst>
+          </p:cNvPr>
+          <p:cNvSpPr/>
+          <p:nvPr/>
+        </p:nvSpPr>
+        <p:spPr>
+          <a:xfrm>
+            <a:off x="4610100" y="0"/>
+            <a:ext cx="7581899" cy="6857999"/>
+          </a:xfrm>
+          <a:prstGeom prst="rect">
+            <a:avLst/>
+          </a:prstGeom>
+          <a:solidFill>
+            <a:srgbClr val="F5E6CA"/>
+          </a:solidFill>
+          <a:ln>
+            <a:noFill/>
+          </a:ln>
+        </p:spPr>
+        <p:style>
+          <a:lnRef idx="2">
+            <a:schemeClr val="accent1">
+              <a:shade val="50000"/>
+            </a:schemeClr>
+          </a:lnRef>
+          <a:fillRef idx="1">
+            <a:schemeClr val="accent1"/>
+          </a:fillRef>
+          <a:effectRef idx="0">
+            <a:schemeClr val="accent1"/>
+          </a:effectRef>
+          <a:fontRef idx="minor">
+            <a:schemeClr val="lt1"/>
+          </a:fontRef>
+        </p:style>
+        <p:txBody>
+          <a:bodyPr rtlCol="0" anchor="ctr"/>
+          <a:lstStyle/>
+          <a:p>
+            <a:pPr algn="ctr"/>
+            <a:endParaRPr lang="en-US" u="sng" dirty="0"/>
+          </a:p>
+        </p:txBody>
+      </p:sp>
+      <p:sp>
+        <p:nvSpPr>
+          <p:cNvPr id="5" name="Title 1">
+            <a:extLst>
+              <a:ext uri="{FF2B5EF4-FFF2-40B4-BE49-F238E27FC236}">
+                <a16:creationId xmlns:a16="http://schemas.microsoft.com/office/drawing/2014/main" id="{AF40F835-B5EB-41D9-ABCF-76BAD5E1A6DC}"/>
+              </a:ext>
+            </a:extLst>
+          </p:cNvPr>
+          <p:cNvSpPr txBox="1">
+            <a:spLocks/>
+          </p:cNvSpPr>
+          <p:nvPr/>
+        </p:nvSpPr>
+        <p:spPr>
+          <a:xfrm>
+            <a:off x="241300" y="215900"/>
+            <a:ext cx="4831694" cy="1556456"/>
+          </a:xfrm>
+          <a:prstGeom prst="rect">
+            <a:avLst/>
+          </a:prstGeom>
+        </p:spPr>
+        <p:txBody>
+          <a:bodyPr vert="horz" lIns="91440" tIns="45720" rIns="91440" bIns="45720" rtlCol="0" anchor="b">
+            <a:normAutofit fontScale="85000" lnSpcReduction="20000"/>
+          </a:bodyPr>
+          <a:lstStyle>
+            <a:lvl1pPr algn="ctr" defTabSz="914400" rtl="0" eaLnBrk="1" latinLnBrk="0" hangingPunct="1">
+              <a:lnSpc>
+                <a:spcPct val="90000"/>
+              </a:lnSpc>
+              <a:spcBef>
+                <a:spcPct val="0"/>
+              </a:spcBef>
+              <a:buNone/>
+              <a:defRPr sz="6000" kern="1200">
+                <a:solidFill>
+                  <a:schemeClr val="tx1"/>
+                </a:solidFill>
+                <a:latin typeface="+mj-lt"/>
+                <a:ea typeface="+mj-ea"/>
+                <a:cs typeface="+mj-cs"/>
+              </a:defRPr>
+            </a:lvl1pPr>
+          </a:lstStyle>
+          <a:p>
+            <a:pPr algn="l">
+              <a:lnSpc>
+                <a:spcPct val="110000"/>
+              </a:lnSpc>
+            </a:pPr>
+            <a:r>
+              <a:rPr lang="en-US" altLang="ja-JP" sz="4000" b="1" dirty="0">
+                <a:solidFill>
+                  <a:srgbClr val="F5E6CA"/>
+                </a:solidFill>
+                <a:latin typeface="MS Gothic" panose="020B0609070205080204" pitchFamily="49" charset="-128"/>
+                <a:ea typeface="MS Gothic" panose="020B0609070205080204" pitchFamily="49" charset="-128"/>
+              </a:rPr>
+              <a:t>8</a:t>
+            </a:r>
+            <a:r>
+              <a:rPr lang="ja-JP" altLang="en-US" sz="4000" b="1" dirty="0">
+                <a:solidFill>
+                  <a:srgbClr val="F5E6CA"/>
+                </a:solidFill>
+                <a:latin typeface="MS Gothic" panose="020B0609070205080204" pitchFamily="49" charset="-128"/>
+                <a:ea typeface="MS Gothic" panose="020B0609070205080204" pitchFamily="49" charset="-128"/>
+              </a:rPr>
+              <a:t>個のサイコロが</a:t>
+            </a:r>
+            <a:endParaRPr lang="en-US" altLang="ja-JP" sz="4000" b="1" dirty="0">
+              <a:solidFill>
+                <a:srgbClr val="F5E6CA"/>
+              </a:solidFill>
+              <a:latin typeface="MS Gothic" panose="020B0609070205080204" pitchFamily="49" charset="-128"/>
+              <a:ea typeface="MS Gothic" panose="020B0609070205080204" pitchFamily="49" charset="-128"/>
+            </a:endParaRPr>
+          </a:p>
+          <a:p>
+            <a:pPr algn="l">
+              <a:lnSpc>
+                <a:spcPct val="110000"/>
+              </a:lnSpc>
+            </a:pPr>
+            <a:r>
+              <a:rPr lang="ja-JP" altLang="en-US" sz="4000" b="1" dirty="0">
+                <a:solidFill>
+                  <a:srgbClr val="F5E6CA"/>
+                </a:solidFill>
+                <a:latin typeface="MS Gothic" panose="020B0609070205080204" pitchFamily="49" charset="-128"/>
+                <a:ea typeface="MS Gothic" panose="020B0609070205080204" pitchFamily="49" charset="-128"/>
+              </a:rPr>
+              <a:t>同じ出目のシミュレ</a:t>
+            </a:r>
+            <a:endParaRPr lang="en-US" altLang="ja-JP" sz="4000" b="1" dirty="0">
+              <a:solidFill>
+                <a:srgbClr val="F5E6CA"/>
+              </a:solidFill>
+              <a:latin typeface="MS Gothic" panose="020B0609070205080204" pitchFamily="49" charset="-128"/>
+              <a:ea typeface="MS Gothic" panose="020B0609070205080204" pitchFamily="49" charset="-128"/>
+            </a:endParaRPr>
+          </a:p>
+          <a:p>
+            <a:pPr algn="l">
+              <a:lnSpc>
+                <a:spcPct val="110000"/>
+              </a:lnSpc>
+            </a:pPr>
+            <a:r>
+              <a:rPr lang="ja-JP" altLang="en-US" sz="4000" b="1" dirty="0">
+                <a:solidFill>
+                  <a:srgbClr val="F5E6CA"/>
+                </a:solidFill>
+                <a:latin typeface="MS Gothic" panose="020B0609070205080204" pitchFamily="49" charset="-128"/>
+                <a:ea typeface="MS Gothic" panose="020B0609070205080204" pitchFamily="49" charset="-128"/>
+              </a:rPr>
+              <a:t>ーション結果</a:t>
+            </a:r>
+            <a:endParaRPr lang="en-US" sz="4000" b="1" dirty="0">
+              <a:solidFill>
+                <a:srgbClr val="F5E6CA"/>
+              </a:solidFill>
+              <a:latin typeface="MS Gothic" panose="020B0609070205080204" pitchFamily="49" charset="-128"/>
+              <a:ea typeface="MS Gothic" panose="020B0609070205080204" pitchFamily="49" charset="-128"/>
+            </a:endParaRPr>
+          </a:p>
+        </p:txBody>
+      </p:sp>
+      <p:sp>
+        <p:nvSpPr>
+          <p:cNvPr id="9" name="TextBox 8">
+            <a:extLst>
+              <a:ext uri="{FF2B5EF4-FFF2-40B4-BE49-F238E27FC236}">
+                <a16:creationId xmlns:a16="http://schemas.microsoft.com/office/drawing/2014/main" id="{490C3D9F-6C28-4BE1-8673-D3EE5A2DA53E}"/>
+              </a:ext>
+            </a:extLst>
+          </p:cNvPr>
+          <p:cNvSpPr txBox="1"/>
+          <p:nvPr/>
+        </p:nvSpPr>
+        <p:spPr>
+          <a:xfrm>
+            <a:off x="11725275" y="6376524"/>
+            <a:ext cx="466725" cy="400110"/>
+          </a:xfrm>
+          <a:prstGeom prst="rect">
+            <a:avLst/>
+          </a:prstGeom>
+          <a:noFill/>
+        </p:spPr>
+        <p:txBody>
+          <a:bodyPr wrap="square" rtlCol="0">
+            <a:spAutoFit/>
+          </a:bodyPr>
+          <a:lstStyle/>
+          <a:p>
+            <a:r>
+              <a:rPr lang="en-US" sz="2000" b="1" dirty="0">
+                <a:solidFill>
+                  <a:srgbClr val="343F56"/>
+                </a:solidFill>
+                <a:latin typeface="MS Mincho" panose="02020609040205080304" pitchFamily="49" charset="-128"/>
+                <a:ea typeface="MS Mincho" panose="02020609040205080304" pitchFamily="49" charset="-128"/>
+              </a:rPr>
+              <a:t>10</a:t>
+            </a:r>
+          </a:p>
+        </p:txBody>
+      </p:sp>
+      <mc:AlternateContent xmlns:mc="http://schemas.openxmlformats.org/markup-compatibility/2006">
+        <mc:Choice xmlns:a14="http://schemas.microsoft.com/office/drawing/2010/main" Requires="a14">
+          <p:sp>
+            <p:nvSpPr>
+              <p:cNvPr id="12" name="TextBox 11">
+                <a:extLst>
+                  <a:ext uri="{FF2B5EF4-FFF2-40B4-BE49-F238E27FC236}">
+                    <a16:creationId xmlns:a16="http://schemas.microsoft.com/office/drawing/2014/main" id="{FA3E1B84-553C-4BCD-8207-EB68A55F5EF2}"/>
+                  </a:ext>
+                </a:extLst>
+              </p:cNvPr>
+              <p:cNvSpPr txBox="1"/>
+              <p:nvPr/>
+            </p:nvSpPr>
+            <p:spPr>
+              <a:xfrm>
+                <a:off x="133350" y="2180571"/>
+                <a:ext cx="4368799" cy="4155497"/>
+              </a:xfrm>
+              <a:prstGeom prst="rect">
+                <a:avLst/>
+              </a:prstGeom>
+              <a:noFill/>
+            </p:spPr>
+            <p:txBody>
+              <a:bodyPr wrap="square" rtlCol="0">
+                <a:spAutoFit/>
+              </a:bodyPr>
+              <a:lstStyle/>
+              <a:p>
+                <a:pPr marL="457200" indent="-457200">
+                  <a:lnSpc>
+                    <a:spcPct val="150000"/>
+                  </a:lnSpc>
+                  <a:spcAft>
+                    <a:spcPts val="600"/>
+                  </a:spcAft>
+                  <a:buFont typeface="Arial" panose="020B0604020202020204" pitchFamily="34" charset="0"/>
+                  <a:buChar char="•"/>
+                </a:pPr>
+                <a:r>
+                  <a:rPr lang="en-US" altLang="ja-JP" sz="2800" dirty="0">
+                    <a:solidFill>
+                      <a:srgbClr val="F5E6CA"/>
+                    </a:solidFill>
+                    <a:latin typeface="MS Gothic" panose="020B0609070205080204" pitchFamily="49" charset="-128"/>
+                    <a:ea typeface="MS Gothic" panose="020B0609070205080204" pitchFamily="49" charset="-128"/>
+                  </a:rPr>
+                  <a:t>7</a:t>
+                </a:r>
+                <a:r>
+                  <a:rPr lang="ja-JP" altLang="en-US" sz="2800" dirty="0">
+                    <a:solidFill>
+                      <a:srgbClr val="F5E6CA"/>
+                    </a:solidFill>
+                    <a:latin typeface="MS Gothic" panose="020B0609070205080204" pitchFamily="49" charset="-128"/>
+                    <a:ea typeface="MS Gothic" panose="020B0609070205080204" pitchFamily="49" charset="-128"/>
+                  </a:rPr>
+                  <a:t>面サイコロ</a:t>
+                </a:r>
+                <a:endParaRPr lang="en-US" altLang="ja-JP" sz="2800" dirty="0">
+                  <a:solidFill>
+                    <a:srgbClr val="F5E6CA"/>
+                  </a:solidFill>
+                  <a:latin typeface="MS Gothic" panose="020B0609070205080204" pitchFamily="49" charset="-128"/>
+                  <a:ea typeface="MS Gothic" panose="020B0609070205080204" pitchFamily="49" charset="-128"/>
+                </a:endParaRPr>
+              </a:p>
+              <a:p>
+                <a:pPr marL="457200" indent="-457200">
+                  <a:lnSpc>
+                    <a:spcPct val="150000"/>
+                  </a:lnSpc>
+                  <a:spcAft>
+                    <a:spcPts val="600"/>
+                  </a:spcAft>
+                  <a:buFont typeface="Arial" panose="020B0604020202020204" pitchFamily="34" charset="0"/>
+                  <a:buChar char="•"/>
+                </a:pPr>
+                <a:r>
+                  <a:rPr lang="ja-JP" altLang="en-US" sz="2800" dirty="0">
+                    <a:solidFill>
+                      <a:srgbClr val="F5E6CA"/>
+                    </a:solidFill>
+                    <a:latin typeface="MS Gothic" panose="020B0609070205080204" pitchFamily="49" charset="-128"/>
+                    <a:ea typeface="MS Gothic" panose="020B0609070205080204" pitchFamily="49" charset="-128"/>
+                  </a:rPr>
+                  <a:t>理論値：</a:t>
+                </a:r>
+                <a14:m>
+                  <m:oMath xmlns:m="http://schemas.openxmlformats.org/officeDocument/2006/math">
+                    <m:r>
+                      <a:rPr lang="en-US" altLang="ja-JP" sz="2800" i="1" dirty="0" smtClean="0">
+                        <a:solidFill>
+                          <a:srgbClr val="F5E6CA"/>
+                        </a:solidFill>
+                        <a:latin typeface="Cambria Math" panose="02040503050406030204" pitchFamily="18" charset="0"/>
+                        <a:ea typeface="Cambria Math" panose="02040503050406030204" pitchFamily="18" charset="0"/>
+                      </a:rPr>
+                      <m:t>1</m:t>
+                    </m:r>
+                    <m:r>
+                      <a:rPr lang="en-US" altLang="ja-JP" sz="2800" b="0" i="1" dirty="0" smtClean="0">
+                        <a:solidFill>
+                          <a:srgbClr val="F5E6CA"/>
+                        </a:solidFill>
+                        <a:latin typeface="Cambria Math" panose="02040503050406030204" pitchFamily="18" charset="0"/>
+                        <a:ea typeface="Cambria Math" panose="02040503050406030204" pitchFamily="18" charset="0"/>
+                      </a:rPr>
+                      <m:t>.213</m:t>
+                    </m:r>
+                    <m:r>
+                      <a:rPr lang="en-US" altLang="ja-JP" sz="2800" b="0" i="1" smtClean="0">
+                        <a:solidFill>
+                          <a:srgbClr val="F5E6CA"/>
+                        </a:solidFill>
+                        <a:latin typeface="Cambria Math" panose="02040503050406030204" pitchFamily="18" charset="0"/>
+                        <a:ea typeface="Cambria Math" panose="02040503050406030204" pitchFamily="18" charset="0"/>
+                      </a:rPr>
+                      <m:t>×</m:t>
+                    </m:r>
+                    <m:sSup>
+                      <m:sSupPr>
+                        <m:ctrlPr>
+                          <a:rPr lang="en-US" altLang="ja-JP" sz="2800" b="0" i="1" smtClean="0">
+                            <a:solidFill>
+                              <a:srgbClr val="F5E6CA"/>
+                            </a:solidFill>
+                            <a:latin typeface="Cambria Math" panose="02040503050406030204" pitchFamily="18" charset="0"/>
+                            <a:ea typeface="Cambria Math" panose="02040503050406030204" pitchFamily="18" charset="0"/>
+                          </a:rPr>
+                        </m:ctrlPr>
+                      </m:sSupPr>
+                      <m:e>
+                        <m:r>
+                          <a:rPr lang="en-US" altLang="ja-JP" sz="2800" b="0" i="1" smtClean="0">
+                            <a:solidFill>
+                              <a:srgbClr val="F5E6CA"/>
+                            </a:solidFill>
+                            <a:latin typeface="Cambria Math" panose="02040503050406030204" pitchFamily="18" charset="0"/>
+                            <a:ea typeface="Cambria Math" panose="02040503050406030204" pitchFamily="18" charset="0"/>
+                          </a:rPr>
+                          <m:t>10</m:t>
+                        </m:r>
+                      </m:e>
+                      <m:sup>
+                        <m:r>
+                          <a:rPr lang="en-US" altLang="ja-JP" sz="2800" b="0" i="1" smtClean="0">
+                            <a:solidFill>
+                              <a:srgbClr val="F5E6CA"/>
+                            </a:solidFill>
+                            <a:latin typeface="Cambria Math" panose="02040503050406030204" pitchFamily="18" charset="0"/>
+                            <a:ea typeface="Cambria Math" panose="02040503050406030204" pitchFamily="18" charset="0"/>
+                          </a:rPr>
+                          <m:t>−6</m:t>
+                        </m:r>
+                      </m:sup>
+                    </m:sSup>
+                  </m:oMath>
+                </a14:m>
+                <a:endParaRPr lang="en-US" altLang="ja-JP" sz="2800" dirty="0">
+                  <a:solidFill>
+                    <a:srgbClr val="F5E6CA"/>
+                  </a:solidFill>
+                  <a:latin typeface="MS Gothic" panose="020B0609070205080204" pitchFamily="49" charset="-128"/>
+                  <a:ea typeface="MS Gothic" panose="020B0609070205080204" pitchFamily="49" charset="-128"/>
+                </a:endParaRPr>
+              </a:p>
+              <a:p>
+                <a:pPr marL="457200" indent="-457200">
+                  <a:lnSpc>
+                    <a:spcPct val="150000"/>
+                  </a:lnSpc>
+                  <a:spcAft>
+                    <a:spcPts val="600"/>
+                  </a:spcAft>
+                  <a:buFont typeface="Arial" panose="020B0604020202020204" pitchFamily="34" charset="0"/>
+                  <a:buChar char="•"/>
+                </a:pPr>
+                <a:r>
+                  <a:rPr lang="ja-JP" altLang="en-US" sz="2800" dirty="0">
+                    <a:solidFill>
+                      <a:srgbClr val="F5E6CA"/>
+                    </a:solidFill>
+                    <a:latin typeface="MS Gothic" panose="020B0609070205080204" pitchFamily="49" charset="-128"/>
+                    <a:ea typeface="MS Gothic" panose="020B0609070205080204" pitchFamily="49" charset="-128"/>
+                  </a:rPr>
+                  <a:t>シミュレーション回数が</a:t>
+                </a:r>
+                <a14:m>
+                  <m:oMath xmlns:m="http://schemas.openxmlformats.org/officeDocument/2006/math">
+                    <m:sSup>
+                      <m:sSupPr>
+                        <m:ctrlPr>
+                          <a:rPr lang="en-US" altLang="ja-JP" sz="2800" i="1">
+                            <a:solidFill>
+                              <a:srgbClr val="F5E6CA"/>
+                            </a:solidFill>
+                            <a:latin typeface="Cambria Math" panose="02040503050406030204" pitchFamily="18" charset="0"/>
+                          </a:rPr>
+                        </m:ctrlPr>
+                      </m:sSupPr>
+                      <m:e>
+                        <m:r>
+                          <a:rPr lang="en-US" altLang="ja-JP" sz="2800" i="1">
+                            <a:solidFill>
+                              <a:srgbClr val="F5E6CA"/>
+                            </a:solidFill>
+                            <a:latin typeface="Cambria Math" panose="02040503050406030204" pitchFamily="18" charset="0"/>
+                          </a:rPr>
+                          <m:t>10</m:t>
+                        </m:r>
+                      </m:e>
+                      <m:sup>
+                        <m:r>
+                          <a:rPr lang="en-US" altLang="ja-JP" sz="2800" b="0" i="1" smtClean="0">
+                            <a:solidFill>
+                              <a:srgbClr val="F5E6CA"/>
+                            </a:solidFill>
+                            <a:latin typeface="Cambria Math" panose="02040503050406030204" pitchFamily="18" charset="0"/>
+                          </a:rPr>
+                          <m:t>5</m:t>
+                        </m:r>
+                      </m:sup>
+                    </m:sSup>
+                  </m:oMath>
+                </a14:m>
+                <a:r>
+                  <a:rPr lang="ja-JP" altLang="en-US" sz="2800" dirty="0">
+                    <a:solidFill>
+                      <a:srgbClr val="F5E6CA"/>
+                    </a:solidFill>
+                    <a:latin typeface="MS Gothic" panose="020B0609070205080204" pitchFamily="49" charset="-128"/>
+                    <a:ea typeface="MS Gothic" panose="020B0609070205080204" pitchFamily="49" charset="-128"/>
+                  </a:rPr>
+                  <a:t>回以上から理論値に近づく．</a:t>
+                </a:r>
+                <a:endParaRPr lang="en-US" sz="2800" dirty="0">
+                  <a:solidFill>
+                    <a:srgbClr val="F5E6CA"/>
+                  </a:solidFill>
+                  <a:latin typeface="MS Gothic" panose="020B0609070205080204" pitchFamily="49" charset="-128"/>
+                  <a:ea typeface="MS Gothic" panose="020B0609070205080204" pitchFamily="49" charset="-128"/>
+                </a:endParaRPr>
+              </a:p>
+              <a:p>
+                <a:pPr marL="457200" indent="-457200">
+                  <a:lnSpc>
+                    <a:spcPct val="150000"/>
+                  </a:lnSpc>
+                  <a:spcAft>
+                    <a:spcPts val="600"/>
+                  </a:spcAft>
+                  <a:buFont typeface="Arial" panose="020B0604020202020204" pitchFamily="34" charset="0"/>
+                  <a:buChar char="•"/>
+                </a:pPr>
+                <a:endParaRPr lang="en-US" altLang="ja-JP" sz="2800" dirty="0">
+                  <a:solidFill>
+                    <a:srgbClr val="F5E6CA"/>
+                  </a:solidFill>
+                  <a:latin typeface="MS Gothic" panose="020B0609070205080204" pitchFamily="49" charset="-128"/>
+                  <a:ea typeface="MS Gothic" panose="020B0609070205080204" pitchFamily="49" charset="-128"/>
+                </a:endParaRPr>
+              </a:p>
+            </p:txBody>
+          </p:sp>
+        </mc:Choice>
+        <mc:Fallback>
+          <p:sp>
+            <p:nvSpPr>
+              <p:cNvPr id="12" name="TextBox 11">
+                <a:extLst>
+                  <a:ext uri="{FF2B5EF4-FFF2-40B4-BE49-F238E27FC236}">
+                    <a16:creationId xmlns:a16="http://schemas.microsoft.com/office/drawing/2014/main" id="{FA3E1B84-553C-4BCD-8207-EB68A55F5EF2}"/>
+                  </a:ext>
+                </a:extLst>
+              </p:cNvPr>
+              <p:cNvSpPr txBox="1">
+                <a:spLocks noRot="1" noChangeAspect="1" noMove="1" noResize="1" noEditPoints="1" noAdjustHandles="1" noChangeArrowheads="1" noChangeShapeType="1" noTextEdit="1"/>
+              </p:cNvSpPr>
+              <p:nvPr/>
+            </p:nvSpPr>
+            <p:spPr>
+              <a:xfrm>
+                <a:off x="133350" y="2180571"/>
+                <a:ext cx="4368799" cy="4155497"/>
+              </a:xfrm>
+              <a:prstGeom prst="rect">
+                <a:avLst/>
+              </a:prstGeom>
+              <a:blipFill>
+                <a:blip r:embed="rId2"/>
+                <a:stretch>
+                  <a:fillRect l="-2510"/>
+                </a:stretch>
+              </a:blipFill>
+            </p:spPr>
+            <p:txBody>
+              <a:bodyPr/>
+              <a:lstStyle/>
+              <a:p>
+                <a:r>
+                  <a:rPr lang="en-US">
+                    <a:noFill/>
+                  </a:rPr>
+                  <a:t> </a:t>
+                </a:r>
+              </a:p>
+            </p:txBody>
+          </p:sp>
+        </mc:Fallback>
+      </mc:AlternateContent>
+      <p:pic>
+        <p:nvPicPr>
+          <p:cNvPr id="3" name="Picture 2">
+            <a:extLst>
+              <a:ext uri="{FF2B5EF4-FFF2-40B4-BE49-F238E27FC236}">
+                <a16:creationId xmlns:a16="http://schemas.microsoft.com/office/drawing/2014/main" id="{23F8D4F4-E317-4028-BE3A-BC636683220C}"/>
+              </a:ext>
+            </a:extLst>
+          </p:cNvPr>
+          <p:cNvPicPr>
+            <a:picLocks noChangeAspect="1"/>
+          </p:cNvPicPr>
+          <p:nvPr/>
+        </p:nvPicPr>
+        <p:blipFill>
+          <a:blip r:embed="rId3">
+            <a:extLst>
+              <a:ext uri="{28A0092B-C50C-407E-A947-70E740481C1C}">
+                <a14:useLocalDpi xmlns:a14="http://schemas.microsoft.com/office/drawing/2010/main" val="0"/>
+              </a:ext>
+            </a:extLst>
+          </a:blip>
+          <a:stretch>
+            <a:fillRect/>
+          </a:stretch>
+        </p:blipFill>
+        <p:spPr>
+          <a:xfrm>
+            <a:off x="5072995" y="607958"/>
+            <a:ext cx="6820649" cy="5183241"/>
+          </a:xfrm>
+          <a:prstGeom prst="rect">
+            <a:avLst/>
+          </a:prstGeom>
+        </p:spPr>
+      </p:pic>
+      <p:pic>
+        <p:nvPicPr>
+          <p:cNvPr id="4" name="Picture 3">
+            <a:extLst>
+              <a:ext uri="{FF2B5EF4-FFF2-40B4-BE49-F238E27FC236}">
+                <a16:creationId xmlns:a16="http://schemas.microsoft.com/office/drawing/2014/main" id="{7BCC6C46-6684-429F-9B2A-AEA259473D57}"/>
+              </a:ext>
+            </a:extLst>
+          </p:cNvPr>
+          <p:cNvPicPr>
+            <a:picLocks noChangeAspect="1"/>
+          </p:cNvPicPr>
+          <p:nvPr/>
+        </p:nvPicPr>
+        <p:blipFill>
+          <a:blip r:embed="rId4">
+            <a:extLst>
+              <a:ext uri="{28A0092B-C50C-407E-A947-70E740481C1C}">
+                <a14:useLocalDpi xmlns:a14="http://schemas.microsoft.com/office/drawing/2010/main" val="0"/>
+              </a:ext>
+            </a:extLst>
+          </a:blip>
+          <a:stretch>
+            <a:fillRect/>
+          </a:stretch>
+        </p:blipFill>
+        <p:spPr>
+          <a:xfrm>
+            <a:off x="5039127" y="593847"/>
+            <a:ext cx="6839218" cy="5197352"/>
+          </a:xfrm>
+          <a:prstGeom prst="rect">
+            <a:avLst/>
+          </a:prstGeom>
+        </p:spPr>
+      </p:pic>
+    </p:spTree>
+    <p:extLst>
+      <p:ext uri="{BB962C8B-B14F-4D97-AF65-F5344CB8AC3E}">
+        <p14:creationId xmlns:p14="http://schemas.microsoft.com/office/powerpoint/2010/main" val="1778088916"/>
+      </p:ext>
+    </p:extLst>
+  </p:cSld>
+  <p:clrMapOvr>
+    <a:masterClrMapping/>
+  </p:clrMapOvr>
+  <mc:AlternateContent xmlns:mc="http://schemas.openxmlformats.org/markup-compatibility/2006" xmlns:p159="http://schemas.microsoft.com/office/powerpoint/2015/09/main">
+    <mc:Choice Requires="p159">
+      <p:transition xmlns:p14="http://schemas.microsoft.com/office/powerpoint/2010/main" spd="slow" p14:dur="2000">
+        <p159:morph option="byObject"/>
+      </p:transition>
+    </mc:Choice>
+    <mc:Fallback xmlns="">
       <p:transition spd="slow">
         <p:fade/>
       </p:transition>
